--- a/lectures/Lecture05/Lecture05.pptx
+++ b/lectures/Lecture05/Lecture05.pptx
@@ -6,10 +6,10 @@
     <p:sldMasterId id="2147483650" r:id="rId2"/>
   </p:sldMasterIdLst>
   <p:notesMasterIdLst>
-    <p:notesMasterId r:id="rId24"/>
+    <p:notesMasterId r:id="rId25"/>
   </p:notesMasterIdLst>
   <p:handoutMasterIdLst>
-    <p:handoutMasterId r:id="rId25"/>
+    <p:handoutMasterId r:id="rId26"/>
   </p:handoutMasterIdLst>
   <p:sldIdLst>
     <p:sldId id="256" r:id="rId3"/>
@@ -31,8 +31,9 @@
     <p:sldId id="357" r:id="rId19"/>
     <p:sldId id="358" r:id="rId20"/>
     <p:sldId id="359" r:id="rId21"/>
-    <p:sldId id="360" r:id="rId22"/>
-    <p:sldId id="361" r:id="rId23"/>
+    <p:sldId id="363" r:id="rId22"/>
+    <p:sldId id="360" r:id="rId23"/>
+    <p:sldId id="361" r:id="rId24"/>
   </p:sldIdLst>
   <p:sldSz cx="9144000" cy="6858000" type="screen4x3"/>
   <p:notesSz cx="6797675" cy="9928225"/>
@@ -2001,7 +2002,7 @@
           <a:lstStyle/>
           <a:p>
             <a:r>
-              <a:rPr lang="en-US" sz="1200" kern="1200" baseline="0" dirty="0" smtClean="0">
+              <a:rPr lang="en-US" sz="1200" kern="1200" dirty="0" smtClean="0">
                 <a:solidFill>
                   <a:schemeClr val="tx1"/>
                 </a:solidFill>
@@ -2010,8 +2011,29 @@
                 <a:ea typeface="+mn-ea"/>
                 <a:cs typeface="+mn-cs"/>
               </a:rPr>
-              <a:t>Data analysis is a way to reveal the writes without reads. This helps elimination of ineffective calculations. Control flow graphs help to establish “control paths” which help analyze unreachable code fragments. Control path examination simulates flows with alternatives and identify the unreached statements. “The code behind return”, “The code behind break / continue”, “Ending with no return” are just a few examples you are familiar with. </a:t>
-            </a:r>
+              <a:t>Detection of the moveable code can</a:t>
+            </a:r>
+            <a:r>
+              <a:rPr lang="en-US" sz="1200" kern="1200" baseline="0" dirty="0" smtClean="0">
+                <a:solidFill>
+                  <a:schemeClr val="tx1"/>
+                </a:solidFill>
+                <a:effectLst/>
+                <a:latin typeface="Arial" panose="020B0604020202020204" pitchFamily="34" charset="0"/>
+                <a:ea typeface="+mn-ea"/>
+                <a:cs typeface="+mn-cs"/>
+              </a:rPr>
+              <a:t> be based on dependence graphs. This analysis reveals the code portions that can be moved outside of the inner statement bodies. Such an approach will save computation cycles when applied on alternative execution paths and loops.</a:t>
+            </a:r>
+            <a:endParaRPr lang="tr-TR" sz="1200" kern="1200" dirty="0">
+              <a:solidFill>
+                <a:schemeClr val="tx1"/>
+              </a:solidFill>
+              <a:effectLst/>
+              <a:latin typeface="Arial" panose="020B0604020202020204" pitchFamily="34" charset="0"/>
+              <a:ea typeface="+mn-ea"/>
+              <a:cs typeface="+mn-cs"/>
+            </a:endParaRPr>
           </a:p>
         </p:txBody>
       </p:sp>
@@ -2042,7 +2064,7 @@
     </p:spTree>
     <p:extLst>
       <p:ext uri="{BB962C8B-B14F-4D97-AF65-F5344CB8AC3E}">
-        <p14:creationId xmlns:p14="http://schemas.microsoft.com/office/powerpoint/2010/main" val="1802340395"/>
+        <p14:creationId xmlns:p14="http://schemas.microsoft.com/office/powerpoint/2010/main" val="2132354593"/>
       </p:ext>
     </p:extLst>
   </p:cSld>
@@ -2106,7 +2128,7 @@
                 <a:ea typeface="+mn-ea"/>
                 <a:cs typeface="+mn-cs"/>
               </a:rPr>
-              <a:t>Peephole optimization is performed on the linear IR detecting extra code generated by earlier steps. The example on this slide transcends the boundaries of expression and statement contexts.</a:t>
+              <a:t>Data analysis is a way to reveal the writes without reads. This helps elimination of ineffective calculations. Control flow graphs help to establish “control paths” which help analyze unreachable code fragments. Control path examination simulates flows with alternatives and identify the unreached statements. “The code behind return”, “The code behind break / continue”, “Ending with no return” are just a few examples you are familiar with. </a:t>
             </a:r>
           </a:p>
         </p:txBody>
@@ -2130,6 +2152,102 @@
               <a:rPr lang="ru-RU" altLang="tr-TR" smtClean="0"/>
               <a:pPr/>
               <a:t>21</a:t>
+            </a:fld>
+            <a:endParaRPr lang="ru-RU" altLang="tr-TR"/>
+          </a:p>
+        </p:txBody>
+      </p:sp>
+    </p:spTree>
+    <p:extLst>
+      <p:ext uri="{BB962C8B-B14F-4D97-AF65-F5344CB8AC3E}">
+        <p14:creationId xmlns:p14="http://schemas.microsoft.com/office/powerpoint/2010/main" val="1802340395"/>
+      </p:ext>
+    </p:extLst>
+  </p:cSld>
+  <p:clrMapOvr>
+    <a:masterClrMapping/>
+  </p:clrMapOvr>
+</p:notes>
+</file>
+
+<file path=ppt/notesSlides/notesSlide22.xml><?xml version="1.0" encoding="utf-8"?>
+<p:notes xmlns:a="http://schemas.openxmlformats.org/drawingml/2006/main" xmlns:r="http://schemas.openxmlformats.org/officeDocument/2006/relationships" xmlns:p="http://schemas.openxmlformats.org/presentationml/2006/main">
+  <p:cSld>
+    <p:spTree>
+      <p:nvGrpSpPr>
+        <p:cNvPr id="1" name=""/>
+        <p:cNvGrpSpPr/>
+        <p:nvPr/>
+      </p:nvGrpSpPr>
+      <p:grpSpPr>
+        <a:xfrm>
+          <a:off x="0" y="0"/>
+          <a:ext cx="0" cy="0"/>
+          <a:chOff x="0" y="0"/>
+          <a:chExt cx="0" cy="0"/>
+        </a:xfrm>
+      </p:grpSpPr>
+      <p:sp>
+        <p:nvSpPr>
+          <p:cNvPr id="2" name="Slide Image Placeholder 1"/>
+          <p:cNvSpPr>
+            <a:spLocks noGrp="1" noRot="1" noChangeAspect="1"/>
+          </p:cNvSpPr>
+          <p:nvPr>
+            <p:ph type="sldImg"/>
+          </p:nvPr>
+        </p:nvSpPr>
+        <p:spPr/>
+      </p:sp>
+      <p:sp>
+        <p:nvSpPr>
+          <p:cNvPr id="3" name="Notes Placeholder 2"/>
+          <p:cNvSpPr>
+            <a:spLocks noGrp="1"/>
+          </p:cNvSpPr>
+          <p:nvPr>
+            <p:ph type="body" idx="1"/>
+          </p:nvPr>
+        </p:nvSpPr>
+        <p:spPr/>
+        <p:txBody>
+          <a:bodyPr/>
+          <a:lstStyle/>
+          <a:p>
+            <a:r>
+              <a:rPr lang="en-US" sz="1200" kern="1200" baseline="0" dirty="0" smtClean="0">
+                <a:solidFill>
+                  <a:schemeClr val="tx1"/>
+                </a:solidFill>
+                <a:effectLst/>
+                <a:latin typeface="Arial" panose="020B0604020202020204" pitchFamily="34" charset="0"/>
+                <a:ea typeface="+mn-ea"/>
+                <a:cs typeface="+mn-cs"/>
+              </a:rPr>
+              <a:t>Peephole optimization is performed on the linear IR detecting extra code generated by earlier steps. The example on this slide transcends the boundaries of expression and statement contexts.</a:t>
+            </a:r>
+          </a:p>
+        </p:txBody>
+      </p:sp>
+      <p:sp>
+        <p:nvSpPr>
+          <p:cNvPr id="4" name="Slide Number Placeholder 3"/>
+          <p:cNvSpPr>
+            <a:spLocks noGrp="1"/>
+          </p:cNvSpPr>
+          <p:nvPr>
+            <p:ph type="sldNum" sz="quarter" idx="10"/>
+          </p:nvPr>
+        </p:nvSpPr>
+        <p:spPr/>
+        <p:txBody>
+          <a:bodyPr/>
+          <a:lstStyle/>
+          <a:p>
+            <a:fld id="{ACF19478-F7D0-4E4E-A748-A55DE5BE2B9C}" type="slidenum">
+              <a:rPr lang="ru-RU" altLang="tr-TR" smtClean="0"/>
+              <a:pPr/>
+              <a:t>22</a:t>
             </a:fld>
             <a:endParaRPr lang="ru-RU" altLang="tr-TR"/>
           </a:p>
@@ -11620,6 +11738,287 @@
           <a:chExt cx="0" cy="0"/>
         </a:xfrm>
       </p:grpSpPr>
+      <p:sp>
+        <p:nvSpPr>
+          <p:cNvPr id="2" name="Title 1"/>
+          <p:cNvSpPr>
+            <a:spLocks noGrp="1"/>
+          </p:cNvSpPr>
+          <p:nvPr>
+            <p:ph type="title"/>
+          </p:nvPr>
+        </p:nvSpPr>
+        <p:spPr>
+          <a:noFill/>
+          <a:ln>
+            <a:noFill/>
+          </a:ln>
+          <a:effectLst/>
+          <a:extLst>
+            <a:ext uri="{909E8E84-426E-40DD-AFC4-6F175D3DCCD1}">
+              <a14:hiddenFill xmlns:a14="http://schemas.microsoft.com/office/drawing/2010/main">
+                <a:solidFill>
+                  <a:schemeClr val="accent1"/>
+                </a:solidFill>
+              </a14:hiddenFill>
+            </a:ext>
+            <a:ext uri="{91240B29-F687-4F45-9708-019B960494DF}">
+              <a14:hiddenLine xmlns:a14="http://schemas.microsoft.com/office/drawing/2010/main" w="9525">
+                <a:solidFill>
+                  <a:schemeClr val="tx1"/>
+                </a:solidFill>
+                <a:miter lim="800000"/>
+                <a:headEnd/>
+                <a:tailEnd/>
+              </a14:hiddenLine>
+            </a:ext>
+            <a:ext uri="{AF507438-7753-43E0-B8FC-AC1667EBCBE1}">
+              <a14:hiddenEffects xmlns:a14="http://schemas.microsoft.com/office/drawing/2010/main">
+                <a:effectLst>
+                  <a:outerShdw dist="17961" dir="2700000" algn="ctr" rotWithShape="0">
+                    <a:schemeClr val="bg2"/>
+                  </a:outerShdw>
+                </a:effectLst>
+              </a14:hiddenEffects>
+            </a:ext>
+          </a:extLst>
+        </p:spPr>
+        <p:txBody>
+          <a:bodyPr vert="horz" wrap="square" lIns="91440" tIns="45720" rIns="91440" bIns="45720" numCol="1" anchor="ctr" anchorCtr="0" compatLnSpc="1">
+            <a:prstTxWarp prst="textNoShape">
+              <a:avLst/>
+            </a:prstTxWarp>
+          </a:bodyPr>
+          <a:lstStyle/>
+          <a:p>
+            <a:pPr algn="r"/>
+            <a:r>
+              <a:rPr lang="en-GB" sz="4000" b="1" dirty="0" smtClean="0">
+                <a:solidFill>
+                  <a:srgbClr val="3ECF29"/>
+                </a:solidFill>
+              </a:rPr>
+              <a:t>Simple Optimizations on IR</a:t>
+            </a:r>
+            <a:r>
+              <a:rPr lang="en-GB" sz="4000" b="1" dirty="0" smtClean="0">
+                <a:solidFill>
+                  <a:srgbClr val="3ECF29"/>
+                </a:solidFill>
+              </a:rPr>
+              <a:t/>
+            </a:r>
+            <a:br>
+              <a:rPr lang="en-GB" sz="4000" b="1" dirty="0" smtClean="0">
+                <a:solidFill>
+                  <a:srgbClr val="3ECF29"/>
+                </a:solidFill>
+              </a:rPr>
+            </a:br>
+            <a:r>
+              <a:rPr lang="fr-FR" sz="2000" b="1" dirty="0" smtClean="0">
+                <a:solidFill>
+                  <a:srgbClr val="3ECF29"/>
+                </a:solidFill>
+              </a:rPr>
+              <a:t>Invariant </a:t>
+            </a:r>
+            <a:r>
+              <a:rPr lang="fr-FR" sz="2000" b="1" dirty="0">
+                <a:solidFill>
+                  <a:srgbClr val="3ECF29"/>
+                </a:solidFill>
+              </a:rPr>
+              <a:t>Code Motion – Code </a:t>
+            </a:r>
+            <a:r>
+              <a:rPr lang="en-US" sz="2000" b="1" dirty="0" smtClean="0">
+                <a:solidFill>
+                  <a:srgbClr val="3ECF29"/>
+                </a:solidFill>
+              </a:rPr>
+              <a:t>Hoisting</a:t>
+            </a:r>
+            <a:r>
+              <a:rPr lang="en-US" sz="2000" b="1" dirty="0" smtClean="0">
+                <a:solidFill>
+                  <a:srgbClr val="3ECF29"/>
+                </a:solidFill>
+              </a:rPr>
+              <a:t> </a:t>
+            </a:r>
+            <a:endParaRPr lang="en-US" sz="4000" b="1" dirty="0">
+              <a:solidFill>
+                <a:srgbClr val="3ECF29"/>
+              </a:solidFill>
+            </a:endParaRPr>
+          </a:p>
+        </p:txBody>
+      </p:sp>
+      <p:pic>
+        <p:nvPicPr>
+          <p:cNvPr id="3" name="Picture 2"/>
+          <p:cNvPicPr>
+            <a:picLocks noChangeAspect="1"/>
+          </p:cNvPicPr>
+          <p:nvPr/>
+        </p:nvPicPr>
+        <p:blipFill>
+          <a:blip r:embed="rId3"/>
+          <a:stretch>
+            <a:fillRect/>
+          </a:stretch>
+        </p:blipFill>
+        <p:spPr>
+          <a:xfrm>
+            <a:off x="2286000" y="2514600"/>
+            <a:ext cx="5168062" cy="2362200"/>
+          </a:xfrm>
+          <a:prstGeom prst="rect">
+            <a:avLst/>
+          </a:prstGeom>
+        </p:spPr>
+      </p:pic>
+      <p:sp>
+        <p:nvSpPr>
+          <p:cNvPr id="4" name="TextBox 3"/>
+          <p:cNvSpPr txBox="1"/>
+          <p:nvPr/>
+        </p:nvSpPr>
+        <p:spPr>
+          <a:xfrm>
+            <a:off x="184998" y="6396335"/>
+            <a:ext cx="6292001" cy="276999"/>
+          </a:xfrm>
+          <a:prstGeom prst="rect">
+            <a:avLst/>
+          </a:prstGeom>
+          <a:noFill/>
+        </p:spPr>
+        <p:txBody>
+          <a:bodyPr wrap="square" rtlCol="0">
+            <a:spAutoFit/>
+          </a:bodyPr>
+          <a:lstStyle/>
+          <a:p>
+            <a:r>
+              <a:rPr lang="en-GB" sz="1200" b="0" dirty="0" smtClean="0"/>
+              <a:t>Excerpt from “</a:t>
+            </a:r>
+            <a:r>
+              <a:rPr lang="en-US" sz="1200" b="0" dirty="0" smtClean="0"/>
+              <a:t>Cooper</a:t>
+            </a:r>
+            <a:r>
+              <a:rPr lang="en-US" sz="1200" b="0" dirty="0"/>
+              <a:t>, K.D., </a:t>
+            </a:r>
+            <a:r>
+              <a:rPr lang="en-US" sz="1200" b="0" dirty="0" err="1"/>
+              <a:t>Torczon</a:t>
+            </a:r>
+            <a:r>
+              <a:rPr lang="en-US" sz="1200" b="0" dirty="0"/>
+              <a:t>, L.; Engineering A </a:t>
+            </a:r>
+            <a:r>
+              <a:rPr lang="en-US" sz="1200" b="0" dirty="0" smtClean="0"/>
+              <a:t>Compiler, 2</a:t>
+            </a:r>
+            <a:r>
+              <a:rPr lang="en-US" sz="1200" b="0" baseline="30000" dirty="0" smtClean="0"/>
+              <a:t>nd</a:t>
+            </a:r>
+            <a:r>
+              <a:rPr lang="en-US" sz="1200" b="0" dirty="0" smtClean="0"/>
+              <a:t> Edition page 233”</a:t>
+            </a:r>
+            <a:endParaRPr lang="en-US" sz="1200" b="0" dirty="0"/>
+          </a:p>
+        </p:txBody>
+      </p:sp>
+      <p:sp>
+        <p:nvSpPr>
+          <p:cNvPr id="5" name="TextBox 4"/>
+          <p:cNvSpPr txBox="1"/>
+          <p:nvPr/>
+        </p:nvSpPr>
+        <p:spPr>
+          <a:xfrm>
+            <a:off x="2286000" y="1808073"/>
+            <a:ext cx="5127202" cy="369332"/>
+          </a:xfrm>
+          <a:prstGeom prst="rect">
+            <a:avLst/>
+          </a:prstGeom>
+          <a:noFill/>
+        </p:spPr>
+        <p:txBody>
+          <a:bodyPr wrap="square" rtlCol="0">
+            <a:spAutoFit/>
+          </a:bodyPr>
+          <a:lstStyle>
+            <a:defPPr>
+              <a:defRPr lang="ru-RU"/>
+            </a:defPPr>
+            <a:lvl1pPr marL="285750" indent="-285750">
+              <a:spcBef>
+                <a:spcPts val="600"/>
+              </a:spcBef>
+              <a:buFont typeface="Arial" panose="020B0604020202020204" pitchFamily="34" charset="0"/>
+              <a:buChar char="•"/>
+              <a:defRPr b="0"/>
+            </a:lvl1pPr>
+          </a:lstStyle>
+          <a:p>
+            <a:pPr marL="0" indent="0">
+              <a:buNone/>
+            </a:pPr>
+            <a:r>
+              <a:rPr lang="en-US" dirty="0"/>
+              <a:t>Data Flow Analysis and Dependence Graphs</a:t>
+            </a:r>
+            <a:endParaRPr lang="en-GB" dirty="0" smtClean="0"/>
+          </a:p>
+        </p:txBody>
+      </p:sp>
+    </p:spTree>
+    <p:extLst>
+      <p:ext uri="{BB962C8B-B14F-4D97-AF65-F5344CB8AC3E}">
+        <p14:creationId xmlns:p14="http://schemas.microsoft.com/office/powerpoint/2010/main" val="3039751279"/>
+      </p:ext>
+    </p:extLst>
+  </p:cSld>
+  <p:clrMapOvr>
+    <a:masterClrMapping/>
+  </p:clrMapOvr>
+  <p:timing>
+    <p:tnLst>
+      <p:par>
+        <p:cTn id="1" dur="indefinite" restart="never" nodeType="tmRoot"/>
+      </p:par>
+    </p:tnLst>
+  </p:timing>
+</p:sld>
+</file>
+
+<file path=ppt/slides/slide21.xml><?xml version="1.0" encoding="utf-8"?>
+<p:sld xmlns:a="http://schemas.openxmlformats.org/drawingml/2006/main" xmlns:r="http://schemas.openxmlformats.org/officeDocument/2006/relationships" xmlns:p="http://schemas.openxmlformats.org/presentationml/2006/main">
+  <p:cSld>
+    <p:spTree>
+      <p:nvGrpSpPr>
+        <p:cNvPr id="1" name=""/>
+        <p:cNvGrpSpPr/>
+        <p:nvPr/>
+      </p:nvGrpSpPr>
+      <p:grpSpPr>
+        <a:xfrm>
+          <a:off x="0" y="0"/>
+          <a:ext cx="0" cy="0"/>
+          <a:chOff x="0" y="0"/>
+          <a:chExt cx="0" cy="0"/>
+        </a:xfrm>
+      </p:grpSpPr>
       <p:pic>
         <p:nvPicPr>
           <p:cNvPr id="10" name="Picture 9"/>
@@ -12056,7 +12455,7 @@
 </p:sld>
 </file>
 
-<file path=ppt/slides/slide21.xml><?xml version="1.0" encoding="utf-8"?>
+<file path=ppt/slides/slide22.xml><?xml version="1.0" encoding="utf-8"?>
 <p:sld xmlns:a="http://schemas.openxmlformats.org/drawingml/2006/main" xmlns:r="http://schemas.openxmlformats.org/officeDocument/2006/relationships" xmlns:p="http://schemas.openxmlformats.org/presentationml/2006/main">
   <p:cSld>
     <p:spTree>
